--- a/phonon.pptx
+++ b/phonon.pptx
@@ -104,7 +104,47 @@
       </a:defRPr>
     </a:lvl9pPr>
   </p:defaultTextStyle>
+  <p:extLst>
+    <p:ext uri="{EFAFB233-063F-42B5-8137-9DF3F51BA10A}">
+      <p15:sldGuideLst xmlns:p15="http://schemas.microsoft.com/office/powerpoint/2012/main"/>
+    </p:ext>
+  </p:extLst>
 </p:presentation>
+</file>
+
+<file path=ppt/commentAuthors.xml><?xml version="1.0" encoding="utf-8"?>
+<p:cmAuthorLst xmlns:a="http://schemas.openxmlformats.org/drawingml/2006/main" xmlns:r="http://schemas.openxmlformats.org/officeDocument/2006/relationships" xmlns:p="http://schemas.openxmlformats.org/presentationml/2006/main">
+  <p:cmAuthor id="1" name="itelu6@gmail.com" initials="" lastIdx="2" clrIdx="0">
+    <p:extLst>
+      <p:ext uri="{19B8F6BF-5375-455C-9EA6-DF929625EA0E}">
+        <p15:presenceInfo xmlns:p15="http://schemas.microsoft.com/office/powerpoint/2012/main" userId="e3538905f87c0dab" providerId="Windows Live"/>
+      </p:ext>
+    </p:extLst>
+  </p:cmAuthor>
+</p:cmAuthorLst>
+</file>
+
+<file path=ppt/comments/comment1.xml><?xml version="1.0" encoding="utf-8"?>
+<p:cmLst xmlns:a="http://schemas.openxmlformats.org/drawingml/2006/main" xmlns:r="http://schemas.openxmlformats.org/officeDocument/2006/relationships" xmlns:p="http://schemas.openxmlformats.org/presentationml/2006/main">
+  <p:cm authorId="1" dt="2023-10-05T15:44:11.441" idx="1">
+    <p:pos x="10" y="10"/>
+    <p:text>what are the simulation conditions for the SCF calculations? for example, number of K points, which functional and pseudopotential? ecut? And so on?   </p:text>
+    <p:extLst>
+      <p:ext uri="{C676402C-5697-4E1C-873F-D02D1690AC5C}">
+        <p15:threadingInfo xmlns:p15="http://schemas.microsoft.com/office/powerpoint/2012/main" timeZoneBias="-120"/>
+      </p:ext>
+    </p:extLst>
+  </p:cm>
+  <p:cm authorId="1" dt="2023-10-05T15:45:29.070" idx="2">
+    <p:pos x="146" y="146"/>
+    <p:text/>
+    <p:extLst>
+      <p:ext uri="{C676402C-5697-4E1C-873F-D02D1690AC5C}">
+        <p15:threadingInfo xmlns:p15="http://schemas.microsoft.com/office/powerpoint/2012/main" timeZoneBias="-120"/>
+      </p:ext>
+    </p:extLst>
+  </p:cm>
+</p:cmLst>
 </file>
 
 <file path=ppt/slideLayouts/slideLayout1.xml><?xml version="1.0" encoding="utf-8"?>

--- a/phonon.pptx
+++ b/phonon.pptx
@@ -128,8 +128,8 @@
 <p:cmLst xmlns:a="http://schemas.openxmlformats.org/drawingml/2006/main" xmlns:r="http://schemas.openxmlformats.org/officeDocument/2006/relationships" xmlns:p="http://schemas.openxmlformats.org/presentationml/2006/main">
   <p:cm authorId="1" dt="2023-10-05T15:44:11.441" idx="1">
     <p:pos x="10" y="10"/>
-    <p:text>what are the simulation conditions for the SCF calculations? for example, number of K points, which functional and pseudopotential? ecut? And so on?   </p:text>
-    <p:extLst>
+    <p:text>what are the simulation conditions for the SCF calculations? for example, number of K points, which functional and pseudopotential? ecut? And so on?</p:text>
+    <p:extLst mod="1">
       <p:ext uri="{C676402C-5697-4E1C-873F-D02D1690AC5C}">
         <p15:threadingInfo xmlns:p15="http://schemas.microsoft.com/office/powerpoint/2012/main" timeZoneBias="-120"/>
       </p:ext>
@@ -3488,6 +3488,96 @@
           </a:p>
         </p:txBody>
       </p:sp>
+      <p:sp>
+        <p:nvSpPr>
+          <p:cNvPr id="2" name="文本框 1">
+            <a:extLst>
+              <a:ext uri="{FF2B5EF4-FFF2-40B4-BE49-F238E27FC236}">
+                <a16:creationId xmlns:a16="http://schemas.microsoft.com/office/drawing/2014/main" id="{2DEF031C-DF3E-4A82-8530-164536C504B3}"/>
+              </a:ext>
+            </a:extLst>
+          </p:cNvPr>
+          <p:cNvSpPr txBox="1"/>
+          <p:nvPr/>
+        </p:nvSpPr>
+        <p:spPr>
+          <a:xfrm>
+            <a:off x="7335081" y="3091994"/>
+            <a:ext cx="3268844" cy="2031325"/>
+          </a:xfrm>
+          <a:prstGeom prst="rect">
+            <a:avLst/>
+          </a:prstGeom>
+          <a:noFill/>
+        </p:spPr>
+        <p:txBody>
+          <a:bodyPr wrap="none" rtlCol="0">
+            <a:spAutoFit/>
+          </a:bodyPr>
+          <a:lstStyle/>
+          <a:p>
+            <a:r>
+              <a:rPr lang="en-US" altLang="zh-CN" dirty="0"/>
+              <a:t>SCF calculation</a:t>
+            </a:r>
+            <a:r>
+              <a:rPr lang="zh-CN" altLang="en-US" dirty="0"/>
+              <a:t>：</a:t>
+            </a:r>
+            <a:endParaRPr lang="en-US" altLang="zh-CN" dirty="0"/>
+          </a:p>
+          <a:p>
+            <a:r>
+              <a:rPr lang="en-US" altLang="zh-CN" dirty="0"/>
+              <a:t>k-points 16x16x12</a:t>
+            </a:r>
+          </a:p>
+          <a:p>
+            <a:r>
+              <a:rPr lang="en-US" altLang="zh-CN" dirty="0" err="1"/>
+              <a:t>ecutwfc</a:t>
+            </a:r>
+            <a:r>
+              <a:rPr lang="en-US" altLang="zh-CN" dirty="0"/>
+              <a:t>=35</a:t>
+            </a:r>
+          </a:p>
+          <a:p>
+            <a:r>
+              <a:rPr lang="en-US" altLang="zh-CN" dirty="0"/>
+              <a:t>smearing=</a:t>
+            </a:r>
+            <a:r>
+              <a:rPr lang="en-US" altLang="zh-CN" dirty="0" err="1"/>
+              <a:t>methfessel-paxton</a:t>
+            </a:r>
+            <a:endParaRPr lang="en-US" altLang="zh-CN" dirty="0"/>
+          </a:p>
+          <a:p>
+            <a:r>
+              <a:rPr lang="en-US" altLang="zh-CN" dirty="0"/>
+              <a:t>degauss=0.025</a:t>
+            </a:r>
+          </a:p>
+          <a:p>
+            <a:r>
+              <a:rPr lang="en-US" altLang="zh-CN" dirty="0"/>
+              <a:t>functional PBE</a:t>
+            </a:r>
+          </a:p>
+          <a:p>
+            <a:r>
+              <a:rPr lang="en-US" altLang="zh-CN" dirty="0"/>
+              <a:t>Pseudopotential </a:t>
+            </a:r>
+            <a:r>
+              <a:rPr lang="en-US" altLang="zh-CN"/>
+              <a:t>from tutorials</a:t>
+            </a:r>
+            <a:endParaRPr lang="en-US" altLang="zh-CN" dirty="0"/>
+          </a:p>
+        </p:txBody>
+      </p:sp>
     </p:spTree>
     <p:extLst>
       <p:ext uri="{BB962C8B-B14F-4D97-AF65-F5344CB8AC3E}">

--- a/phonon.pptx
+++ b/phonon.pptx
@@ -6,6 +6,7 @@
   </p:sldMasterIdLst>
   <p:sldIdLst>
     <p:sldId id="257" r:id="rId2"/>
+    <p:sldId id="258" r:id="rId3"/>
   </p:sldIdLst>
   <p:sldSz cx="12192000" cy="6858000"/>
   <p:notesSz cx="6858000" cy="9144000"/>
@@ -294,7 +295,7 @@
           <a:p>
             <a:fld id="{B8030B2B-F9CF-4DDF-8EC7-78414452AC18}" type="datetimeFigureOut">
               <a:rPr lang="zh-CN" altLang="en-US" smtClean="0"/>
-              <a:t>2023/10/5</a:t>
+              <a:t>2023/10/23</a:t>
             </a:fld>
             <a:endParaRPr lang="zh-CN" altLang="en-US"/>
           </a:p>
@@ -492,7 +493,7 @@
           <a:p>
             <a:fld id="{B8030B2B-F9CF-4DDF-8EC7-78414452AC18}" type="datetimeFigureOut">
               <a:rPr lang="zh-CN" altLang="en-US" smtClean="0"/>
-              <a:t>2023/10/5</a:t>
+              <a:t>2023/10/23</a:t>
             </a:fld>
             <a:endParaRPr lang="zh-CN" altLang="en-US"/>
           </a:p>
@@ -700,7 +701,7 @@
           <a:p>
             <a:fld id="{B8030B2B-F9CF-4DDF-8EC7-78414452AC18}" type="datetimeFigureOut">
               <a:rPr lang="zh-CN" altLang="en-US" smtClean="0"/>
-              <a:t>2023/10/5</a:t>
+              <a:t>2023/10/23</a:t>
             </a:fld>
             <a:endParaRPr lang="zh-CN" altLang="en-US"/>
           </a:p>
@@ -898,7 +899,7 @@
           <a:p>
             <a:fld id="{B8030B2B-F9CF-4DDF-8EC7-78414452AC18}" type="datetimeFigureOut">
               <a:rPr lang="zh-CN" altLang="en-US" smtClean="0"/>
-              <a:t>2023/10/5</a:t>
+              <a:t>2023/10/23</a:t>
             </a:fld>
             <a:endParaRPr lang="zh-CN" altLang="en-US"/>
           </a:p>
@@ -1173,7 +1174,7 @@
           <a:p>
             <a:fld id="{B8030B2B-F9CF-4DDF-8EC7-78414452AC18}" type="datetimeFigureOut">
               <a:rPr lang="zh-CN" altLang="en-US" smtClean="0"/>
-              <a:t>2023/10/5</a:t>
+              <a:t>2023/10/23</a:t>
             </a:fld>
             <a:endParaRPr lang="zh-CN" altLang="en-US"/>
           </a:p>
@@ -1438,7 +1439,7 @@
           <a:p>
             <a:fld id="{B8030B2B-F9CF-4DDF-8EC7-78414452AC18}" type="datetimeFigureOut">
               <a:rPr lang="zh-CN" altLang="en-US" smtClean="0"/>
-              <a:t>2023/10/5</a:t>
+              <a:t>2023/10/23</a:t>
             </a:fld>
             <a:endParaRPr lang="zh-CN" altLang="en-US"/>
           </a:p>
@@ -1850,7 +1851,7 @@
           <a:p>
             <a:fld id="{B8030B2B-F9CF-4DDF-8EC7-78414452AC18}" type="datetimeFigureOut">
               <a:rPr lang="zh-CN" altLang="en-US" smtClean="0"/>
-              <a:t>2023/10/5</a:t>
+              <a:t>2023/10/23</a:t>
             </a:fld>
             <a:endParaRPr lang="zh-CN" altLang="en-US"/>
           </a:p>
@@ -1991,7 +1992,7 @@
           <a:p>
             <a:fld id="{B8030B2B-F9CF-4DDF-8EC7-78414452AC18}" type="datetimeFigureOut">
               <a:rPr lang="zh-CN" altLang="en-US" smtClean="0"/>
-              <a:t>2023/10/5</a:t>
+              <a:t>2023/10/23</a:t>
             </a:fld>
             <a:endParaRPr lang="zh-CN" altLang="en-US"/>
           </a:p>
@@ -2104,7 +2105,7 @@
           <a:p>
             <a:fld id="{B8030B2B-F9CF-4DDF-8EC7-78414452AC18}" type="datetimeFigureOut">
               <a:rPr lang="zh-CN" altLang="en-US" smtClean="0"/>
-              <a:t>2023/10/5</a:t>
+              <a:t>2023/10/23</a:t>
             </a:fld>
             <a:endParaRPr lang="zh-CN" altLang="en-US"/>
           </a:p>
@@ -2415,7 +2416,7 @@
           <a:p>
             <a:fld id="{B8030B2B-F9CF-4DDF-8EC7-78414452AC18}" type="datetimeFigureOut">
               <a:rPr lang="zh-CN" altLang="en-US" smtClean="0"/>
-              <a:t>2023/10/5</a:t>
+              <a:t>2023/10/23</a:t>
             </a:fld>
             <a:endParaRPr lang="zh-CN" altLang="en-US"/>
           </a:p>
@@ -2703,7 +2704,7 @@
           <a:p>
             <a:fld id="{B8030B2B-F9CF-4DDF-8EC7-78414452AC18}" type="datetimeFigureOut">
               <a:rPr lang="zh-CN" altLang="en-US" smtClean="0"/>
-              <a:t>2023/10/5</a:t>
+              <a:t>2023/10/23</a:t>
             </a:fld>
             <a:endParaRPr lang="zh-CN" altLang="en-US"/>
           </a:p>
@@ -2944,7 +2945,7 @@
           <a:p>
             <a:fld id="{B8030B2B-F9CF-4DDF-8EC7-78414452AC18}" type="datetimeFigureOut">
               <a:rPr lang="zh-CN" altLang="en-US" smtClean="0"/>
-              <a:t>2023/10/5</a:t>
+              <a:t>2023/10/23</a:t>
             </a:fld>
             <a:endParaRPr lang="zh-CN" altLang="en-US"/>
           </a:p>
@@ -3568,13 +3569,8 @@
           <a:p>
             <a:r>
               <a:rPr lang="en-US" altLang="zh-CN" dirty="0"/>
-              <a:t>Pseudopotential </a:t>
-            </a:r>
-            <a:r>
-              <a:rPr lang="en-US" altLang="zh-CN"/>
-              <a:t>from tutorials</a:t>
-            </a:r>
-            <a:endParaRPr lang="en-US" altLang="zh-CN" dirty="0"/>
+              <a:t>Pseudopotential from tutorials</a:t>
+            </a:r>
           </a:p>
         </p:txBody>
       </p:sp>
@@ -3582,6 +3578,201 @@
     <p:extLst>
       <p:ext uri="{BB962C8B-B14F-4D97-AF65-F5344CB8AC3E}">
         <p14:creationId xmlns:p14="http://schemas.microsoft.com/office/powerpoint/2010/main" val="232599167"/>
+      </p:ext>
+    </p:extLst>
+  </p:cSld>
+  <p:clrMapOvr>
+    <a:masterClrMapping/>
+  </p:clrMapOvr>
+</p:sld>
+</file>
+
+<file path=ppt/slides/slide2.xml><?xml version="1.0" encoding="utf-8"?>
+<p:sld xmlns:a="http://schemas.openxmlformats.org/drawingml/2006/main" xmlns:r="http://schemas.openxmlformats.org/officeDocument/2006/relationships" xmlns:p="http://schemas.openxmlformats.org/presentationml/2006/main">
+  <p:cSld>
+    <p:spTree>
+      <p:nvGrpSpPr>
+        <p:cNvPr id="1" name=""/>
+        <p:cNvGrpSpPr/>
+        <p:nvPr/>
+      </p:nvGrpSpPr>
+      <p:grpSpPr>
+        <a:xfrm>
+          <a:off x="0" y="0"/>
+          <a:ext cx="0" cy="0"/>
+          <a:chOff x="0" y="0"/>
+          <a:chExt cx="0" cy="0"/>
+        </a:xfrm>
+      </p:grpSpPr>
+      <p:pic>
+        <p:nvPicPr>
+          <p:cNvPr id="3" name="图片 2">
+            <a:extLst>
+              <a:ext uri="{FF2B5EF4-FFF2-40B4-BE49-F238E27FC236}">
+                <a16:creationId xmlns:a16="http://schemas.microsoft.com/office/drawing/2014/main" id="{C4389BC2-303B-40BC-B9CA-A8BF59539CA0}"/>
+              </a:ext>
+            </a:extLst>
+          </p:cNvPr>
+          <p:cNvPicPr>
+            <a:picLocks noChangeAspect="1"/>
+          </p:cNvPicPr>
+          <p:nvPr/>
+        </p:nvPicPr>
+        <p:blipFill rotWithShape="1">
+          <a:blip r:embed="rId2">
+            <a:extLst>
+              <a:ext uri="{28A0092B-C50C-407E-A947-70E740481C1C}">
+                <a14:useLocalDpi xmlns:a14="http://schemas.microsoft.com/office/drawing/2010/main" val="0"/>
+              </a:ext>
+            </a:extLst>
+          </a:blip>
+          <a:srcRect l="7157" t="5498" r="11607" b="6255"/>
+          <a:stretch/>
+        </p:blipFill>
+        <p:spPr>
+          <a:xfrm>
+            <a:off x="0" y="440703"/>
+            <a:ext cx="7277493" cy="6052008"/>
+          </a:xfrm>
+          <a:prstGeom prst="rect">
+            <a:avLst/>
+          </a:prstGeom>
+        </p:spPr>
+      </p:pic>
+      <p:sp>
+        <p:nvSpPr>
+          <p:cNvPr id="4" name="文本框 3">
+            <a:extLst>
+              <a:ext uri="{FF2B5EF4-FFF2-40B4-BE49-F238E27FC236}">
+                <a16:creationId xmlns:a16="http://schemas.microsoft.com/office/drawing/2014/main" id="{523D3558-E188-476C-8090-5E93C52BA33D}"/>
+              </a:ext>
+            </a:extLst>
+          </p:cNvPr>
+          <p:cNvSpPr txBox="1"/>
+          <p:nvPr/>
+        </p:nvSpPr>
+        <p:spPr>
+          <a:xfrm>
+            <a:off x="7561324" y="1602558"/>
+            <a:ext cx="2055371" cy="923330"/>
+          </a:xfrm>
+          <a:prstGeom prst="rect">
+            <a:avLst/>
+          </a:prstGeom>
+          <a:noFill/>
+        </p:spPr>
+        <p:txBody>
+          <a:bodyPr wrap="none" rtlCol="0">
+            <a:spAutoFit/>
+          </a:bodyPr>
+          <a:lstStyle/>
+          <a:p>
+            <a:r>
+              <a:rPr lang="en-US" altLang="zh-CN" dirty="0" err="1"/>
+              <a:t>broad_min</a:t>
+            </a:r>
+            <a:r>
+              <a:rPr lang="en-US" altLang="zh-CN" dirty="0"/>
+              <a:t>=0.0005</a:t>
+            </a:r>
+          </a:p>
+          <a:p>
+            <a:r>
+              <a:rPr lang="en-US" altLang="zh-CN" dirty="0"/>
+              <a:t>q-points  6x6x4</a:t>
+            </a:r>
+          </a:p>
+          <a:p>
+            <a:r>
+              <a:rPr lang="en-US" altLang="zh-CN" dirty="0" err="1"/>
+              <a:t>asr</a:t>
+            </a:r>
+            <a:r>
+              <a:rPr lang="en-US" altLang="zh-CN" dirty="0"/>
+              <a:t>: no</a:t>
+            </a:r>
+            <a:endParaRPr lang="zh-CN" altLang="en-US" dirty="0"/>
+          </a:p>
+        </p:txBody>
+      </p:sp>
+      <p:sp>
+        <p:nvSpPr>
+          <p:cNvPr id="5" name="文本框 4">
+            <a:extLst>
+              <a:ext uri="{FF2B5EF4-FFF2-40B4-BE49-F238E27FC236}">
+                <a16:creationId xmlns:a16="http://schemas.microsoft.com/office/drawing/2014/main" id="{14D48F57-C64F-405B-9B79-74C4AF949AF9}"/>
+              </a:ext>
+            </a:extLst>
+          </p:cNvPr>
+          <p:cNvSpPr txBox="1"/>
+          <p:nvPr/>
+        </p:nvSpPr>
+        <p:spPr>
+          <a:xfrm>
+            <a:off x="7561324" y="2399717"/>
+            <a:ext cx="3190297" cy="1754326"/>
+          </a:xfrm>
+          <a:prstGeom prst="rect">
+            <a:avLst/>
+          </a:prstGeom>
+          <a:noFill/>
+        </p:spPr>
+        <p:txBody>
+          <a:bodyPr wrap="none" rtlCol="0">
+            <a:spAutoFit/>
+          </a:bodyPr>
+          <a:lstStyle/>
+          <a:p>
+            <a:r>
+              <a:rPr lang="en-US" altLang="zh-CN" dirty="0"/>
+              <a:t>k-points 24x24x18</a:t>
+            </a:r>
+          </a:p>
+          <a:p>
+            <a:r>
+              <a:rPr lang="en-US" altLang="zh-CN" dirty="0" err="1"/>
+              <a:t>Ecutwfc</a:t>
+            </a:r>
+            <a:r>
+              <a:rPr lang="en-US" altLang="zh-CN" dirty="0"/>
+              <a:t>=50</a:t>
+            </a:r>
+          </a:p>
+          <a:p>
+            <a:r>
+              <a:rPr lang="en-US" altLang="zh-CN" dirty="0"/>
+              <a:t>smearing=</a:t>
+            </a:r>
+            <a:r>
+              <a:rPr lang="en-US" altLang="zh-CN" dirty="0" err="1"/>
+              <a:t>methfessel-paxton</a:t>
+            </a:r>
+            <a:endParaRPr lang="en-US" altLang="zh-CN" dirty="0"/>
+          </a:p>
+          <a:p>
+            <a:r>
+              <a:rPr lang="en-US" altLang="zh-CN" dirty="0"/>
+              <a:t>degauss=0.025</a:t>
+            </a:r>
+          </a:p>
+          <a:p>
+            <a:r>
+              <a:rPr lang="en-US" altLang="zh-CN" dirty="0"/>
+              <a:t>functional PBE</a:t>
+            </a:r>
+          </a:p>
+          <a:p>
+            <a:r>
+              <a:rPr lang="en-US" altLang="zh-CN" dirty="0"/>
+              <a:t>Pseudopotential from tutorials</a:t>
+            </a:r>
+          </a:p>
+        </p:txBody>
+      </p:sp>
+    </p:spTree>
+    <p:extLst>
+      <p:ext uri="{BB962C8B-B14F-4D97-AF65-F5344CB8AC3E}">
+        <p14:creationId xmlns:p14="http://schemas.microsoft.com/office/powerpoint/2010/main" val="1120921825"/>
       </p:ext>
     </p:extLst>
   </p:cSld>
